--- a/misc/presentations/Fluxx_Fourth_Presentation.pptx
+++ b/misc/presentations/Fluxx_Fourth_Presentation.pptx
@@ -3645,7 +3645,7 @@
           <a:p>
             <a:r>
               <a:rPr lang="de-DE" sz="4000" dirty="0" err="1"/>
-              <a:t>Modles</a:t>
+              <a:t>Mongoose</a:t>
             </a:r>
             <a:r>
               <a:rPr lang="de-DE" sz="4000" dirty="0"/>
